--- a/Paper/framework - Copy.pptx
+++ b/Paper/framework - Copy.pptx
@@ -243,7 +243,7 @@
           <a:p>
             <a:fld id="{A9DBF5DD-7AB2-40FA-A266-E4FBC7EAC0C5}" type="datetimeFigureOut">
               <a:rPr lang="en-US" smtClean="0"/>
-              <a:t>1/14/2025</a:t>
+              <a:t>1/29/2025</a:t>
             </a:fld>
             <a:endParaRPr lang="en-US"/>
           </a:p>
@@ -413,7 +413,7 @@
           <a:p>
             <a:fld id="{A9DBF5DD-7AB2-40FA-A266-E4FBC7EAC0C5}" type="datetimeFigureOut">
               <a:rPr lang="en-US" smtClean="0"/>
-              <a:t>1/14/2025</a:t>
+              <a:t>1/29/2025</a:t>
             </a:fld>
             <a:endParaRPr lang="en-US"/>
           </a:p>
@@ -593,7 +593,7 @@
           <a:p>
             <a:fld id="{A9DBF5DD-7AB2-40FA-A266-E4FBC7EAC0C5}" type="datetimeFigureOut">
               <a:rPr lang="en-US" smtClean="0"/>
-              <a:t>1/14/2025</a:t>
+              <a:t>1/29/2025</a:t>
             </a:fld>
             <a:endParaRPr lang="en-US"/>
           </a:p>
@@ -763,7 +763,7 @@
           <a:p>
             <a:fld id="{A9DBF5DD-7AB2-40FA-A266-E4FBC7EAC0C5}" type="datetimeFigureOut">
               <a:rPr lang="en-US" smtClean="0"/>
-              <a:t>1/14/2025</a:t>
+              <a:t>1/29/2025</a:t>
             </a:fld>
             <a:endParaRPr lang="en-US"/>
           </a:p>
@@ -1009,7 +1009,7 @@
           <a:p>
             <a:fld id="{A9DBF5DD-7AB2-40FA-A266-E4FBC7EAC0C5}" type="datetimeFigureOut">
               <a:rPr lang="en-US" smtClean="0"/>
-              <a:t>1/14/2025</a:t>
+              <a:t>1/29/2025</a:t>
             </a:fld>
             <a:endParaRPr lang="en-US"/>
           </a:p>
@@ -1241,7 +1241,7 @@
           <a:p>
             <a:fld id="{A9DBF5DD-7AB2-40FA-A266-E4FBC7EAC0C5}" type="datetimeFigureOut">
               <a:rPr lang="en-US" smtClean="0"/>
-              <a:t>1/14/2025</a:t>
+              <a:t>1/29/2025</a:t>
             </a:fld>
             <a:endParaRPr lang="en-US"/>
           </a:p>
@@ -1608,7 +1608,7 @@
           <a:p>
             <a:fld id="{A9DBF5DD-7AB2-40FA-A266-E4FBC7EAC0C5}" type="datetimeFigureOut">
               <a:rPr lang="en-US" smtClean="0"/>
-              <a:t>1/14/2025</a:t>
+              <a:t>1/29/2025</a:t>
             </a:fld>
             <a:endParaRPr lang="en-US"/>
           </a:p>
@@ -1726,7 +1726,7 @@
           <a:p>
             <a:fld id="{A9DBF5DD-7AB2-40FA-A266-E4FBC7EAC0C5}" type="datetimeFigureOut">
               <a:rPr lang="en-US" smtClean="0"/>
-              <a:t>1/14/2025</a:t>
+              <a:t>1/29/2025</a:t>
             </a:fld>
             <a:endParaRPr lang="en-US"/>
           </a:p>
@@ -1821,7 +1821,7 @@
           <a:p>
             <a:fld id="{A9DBF5DD-7AB2-40FA-A266-E4FBC7EAC0C5}" type="datetimeFigureOut">
               <a:rPr lang="en-US" smtClean="0"/>
-              <a:t>1/14/2025</a:t>
+              <a:t>1/29/2025</a:t>
             </a:fld>
             <a:endParaRPr lang="en-US"/>
           </a:p>
@@ -2098,7 +2098,7 @@
           <a:p>
             <a:fld id="{A9DBF5DD-7AB2-40FA-A266-E4FBC7EAC0C5}" type="datetimeFigureOut">
               <a:rPr lang="en-US" smtClean="0"/>
-              <a:t>1/14/2025</a:t>
+              <a:t>1/29/2025</a:t>
             </a:fld>
             <a:endParaRPr lang="en-US"/>
           </a:p>
@@ -2355,7 +2355,7 @@
           <a:p>
             <a:fld id="{A9DBF5DD-7AB2-40FA-A266-E4FBC7EAC0C5}" type="datetimeFigureOut">
               <a:rPr lang="en-US" smtClean="0"/>
-              <a:t>1/14/2025</a:t>
+              <a:t>1/29/2025</a:t>
             </a:fld>
             <a:endParaRPr lang="en-US"/>
           </a:p>
@@ -2568,7 +2568,7 @@
           <a:p>
             <a:fld id="{A9DBF5DD-7AB2-40FA-A266-E4FBC7EAC0C5}" type="datetimeFigureOut">
               <a:rPr lang="en-US" smtClean="0"/>
-              <a:t>1/14/2025</a:t>
+              <a:t>1/29/2025</a:t>
             </a:fld>
             <a:endParaRPr lang="en-US"/>
           </a:p>
@@ -3011,7 +3011,7 @@
                     </m:oMathParaPr>
                     <m:oMath xmlns:m="http://schemas.openxmlformats.org/officeDocument/2006/math">
                       <m:r>
-                        <a:rPr lang="en-US" b="1" i="1">
+                        <a:rPr lang="en-US" b="1" i="1" smtClean="0">
                           <a:latin typeface="Cambria Math" panose="02040503050406030204" pitchFamily="18" charset="0"/>
                         </a:rPr>
                         <m:t>𝓗</m:t>
@@ -3025,7 +3025,7 @@
                       <m:sSub>
                         <m:sSubPr>
                           <m:ctrlPr>
-                            <a:rPr lang="en-US" i="1">
+                            <a:rPr lang="en-US" i="1" smtClean="0">
                               <a:latin typeface="Cambria Math" panose="02040503050406030204" pitchFamily="18" charset="0"/>
                             </a:rPr>
                           </m:ctrlPr>
@@ -3040,10 +3040,10 @@
                         </m:e>
                         <m:sub>
                           <m:r>
-                            <a:rPr lang="en-US" i="1">
+                            <a:rPr lang="en-US" b="0" i="1" smtClean="0">
                               <a:latin typeface="Cambria Math" panose="02040503050406030204" pitchFamily="18" charset="0"/>
                             </a:rPr>
-                            <m:t>1</m:t>
+                            <m:t>4</m:t>
                           </m:r>
                         </m:sub>
                       </m:sSub>
@@ -3071,10 +3071,10 @@
                         </m:e>
                         <m:sub>
                           <m:r>
-                            <a:rPr lang="en-US" i="1">
+                            <a:rPr lang="en-US" b="0" i="1" smtClean="0">
                               <a:latin typeface="Cambria Math" panose="02040503050406030204" pitchFamily="18" charset="0"/>
                             </a:rPr>
-                            <m:t>2</m:t>
+                            <m:t>6</m:t>
                           </m:r>
                         </m:sub>
                       </m:sSub>
@@ -3102,10 +3102,10 @@
                         </m:e>
                         <m:sub>
                           <m:r>
-                            <a:rPr lang="en-US" i="1">
+                            <a:rPr lang="en-US" b="0" i="1" smtClean="0">
                               <a:latin typeface="Cambria Math" panose="02040503050406030204" pitchFamily="18" charset="0"/>
                             </a:rPr>
-                            <m:t>3</m:t>
+                            <m:t>7</m:t>
                           </m:r>
                         </m:sub>
                       </m:sSub>
@@ -3185,7 +3185,7 @@
               <p:nvPr>
                 <p:extLst>
                   <p:ext uri="{D42A27DB-BD31-4B8C-83A1-F6EECF244321}">
-                    <p14:modId xmlns:p14="http://schemas.microsoft.com/office/powerpoint/2010/main" val="2127569864"/>
+                    <p14:modId xmlns:p14="http://schemas.microsoft.com/office/powerpoint/2010/main" val="3948480745"/>
                   </p:ext>
                 </p:extLst>
               </p:nvPr>
@@ -3419,7 +3419,7 @@
                                         <a:effectLst/>
                                         <a:latin typeface="Cambria Math" panose="02040503050406030204" pitchFamily="18" charset="0"/>
                                       </a:rPr>
-                                      <m:t>1</m:t>
+                                      <m:t>4</m:t>
                                     </m:r>
                                   </m:sub>
                                 </m:sSub>
@@ -3516,7 +3516,7 @@
                                         <a:effectLst/>
                                         <a:latin typeface="Cambria Math" panose="02040503050406030204" pitchFamily="18" charset="0"/>
                                       </a:rPr>
-                                      <m:t>2</m:t>
+                                      <m:t>6</m:t>
                                     </m:r>
                                   </m:sub>
                                 </m:sSub>
@@ -3613,7 +3613,7 @@
                                         <a:effectLst/>
                                         <a:latin typeface="Cambria Math" panose="02040503050406030204" pitchFamily="18" charset="0"/>
                                       </a:rPr>
-                                      <m:t>3</m:t>
+                                      <m:t>7</m:t>
                                     </m:r>
                                   </m:sub>
                                 </m:sSub>
@@ -3647,7 +3647,7 @@
                           <a:pPr algn="ctr"/>
                           <a:r>
                             <a:rPr lang="en-US" sz="1600" dirty="0"/>
-                            <a:t>0</a:t>
+                            <a:t>1</a:t>
                           </a:r>
                         </a:p>
                       </a:txBody>
@@ -3694,7 +3694,7 @@
               <p:nvPr>
                 <p:extLst>
                   <p:ext uri="{D42A27DB-BD31-4B8C-83A1-F6EECF244321}">
-                    <p14:modId xmlns:p14="http://schemas.microsoft.com/office/powerpoint/2010/main" val="2127569864"/>
+                    <p14:modId xmlns:p14="http://schemas.microsoft.com/office/powerpoint/2010/main" val="3948480745"/>
                   </p:ext>
                 </p:extLst>
               </p:nvPr>
@@ -3979,7 +3979,7 @@
                           <a:pPr algn="ctr"/>
                           <a:r>
                             <a:rPr lang="en-US" sz="1600" dirty="0"/>
-                            <a:t>0</a:t>
+                            <a:t>1</a:t>
                           </a:r>
                         </a:p>
                       </a:txBody>
@@ -4009,204 +4009,6 @@
               </a:graphicData>
             </a:graphic>
           </p:graphicFrame>
-        </mc:Fallback>
-      </mc:AlternateContent>
-      <mc:AlternateContent xmlns:mc="http://schemas.openxmlformats.org/markup-compatibility/2006" xmlns:a14="http://schemas.microsoft.com/office/drawing/2010/main">
-        <mc:Choice Requires="a14">
-          <p:sp>
-            <p:nvSpPr>
-              <p:cNvPr id="4" name="TextBox 3">
-                <a:extLst>
-                  <a:ext uri="{FF2B5EF4-FFF2-40B4-BE49-F238E27FC236}">
-                    <a16:creationId xmlns:a16="http://schemas.microsoft.com/office/drawing/2014/main" id="{A3B95A6E-980E-61CC-F335-D14441C62C7C}"/>
-                  </a:ext>
-                </a:extLst>
-              </p:cNvPr>
-              <p:cNvSpPr txBox="1"/>
-              <p:nvPr/>
-            </p:nvSpPr>
-            <p:spPr>
-              <a:xfrm>
-                <a:off x="4831281" y="1897706"/>
-                <a:ext cx="2210484" cy="369332"/>
-              </a:xfrm>
-              <a:prstGeom prst="rect">
-                <a:avLst/>
-              </a:prstGeom>
-              <a:noFill/>
-            </p:spPr>
-            <p:txBody>
-              <a:bodyPr wrap="square" rtlCol="0">
-                <a:spAutoFit/>
-              </a:bodyPr>
-              <a:lstStyle/>
-              <a:p>
-                <a:pPr/>
-                <a14:m>
-                  <m:oMathPara xmlns:m="http://schemas.openxmlformats.org/officeDocument/2006/math">
-                    <m:oMathParaPr>
-                      <m:jc m:val="centerGroup"/>
-                    </m:oMathParaPr>
-                    <m:oMath xmlns:m="http://schemas.openxmlformats.org/officeDocument/2006/math">
-                      <m:r>
-                        <a:rPr lang="en-US" b="1" i="1">
-                          <a:latin typeface="Cambria Math" panose="02040503050406030204" pitchFamily="18" charset="0"/>
-                        </a:rPr>
-                        <m:t>𝓓</m:t>
-                      </m:r>
-                      <m:r>
-                        <a:rPr lang="en-US" i="1">
-                          <a:latin typeface="Cambria Math" panose="02040503050406030204" pitchFamily="18" charset="0"/>
-                        </a:rPr>
-                        <m:t>={</m:t>
-                      </m:r>
-                      <m:d>
-                        <m:dPr>
-                          <m:ctrlPr>
-                            <a:rPr lang="en-US" i="1">
-                              <a:latin typeface="Cambria Math" panose="02040503050406030204" pitchFamily="18" charset="0"/>
-                            </a:rPr>
-                          </m:ctrlPr>
-                        </m:dPr>
-                        <m:e>
-                          <m:sSub>
-                            <m:sSubPr>
-                              <m:ctrlPr>
-                                <a:rPr lang="en-US" i="1">
-                                  <a:latin typeface="Cambria Math" panose="02040503050406030204" pitchFamily="18" charset="0"/>
-                                </a:rPr>
-                              </m:ctrlPr>
-                            </m:sSubPr>
-                            <m:e>
-                              <m:r>
-                                <a:rPr lang="en-US" i="1">
-                                  <a:latin typeface="Cambria Math" panose="02040503050406030204" pitchFamily="18" charset="0"/>
-                                </a:rPr>
-                                <m:t>𝑎</m:t>
-                              </m:r>
-                            </m:e>
-                            <m:sub>
-                              <m:r>
-                                <a:rPr lang="en-US" i="1">
-                                  <a:latin typeface="Cambria Math" panose="02040503050406030204" pitchFamily="18" charset="0"/>
-                                </a:rPr>
-                                <m:t>1</m:t>
-                              </m:r>
-                            </m:sub>
-                          </m:sSub>
-                          <m:r>
-                            <a:rPr lang="en-US" i="1">
-                              <a:latin typeface="Cambria Math" panose="02040503050406030204" pitchFamily="18" charset="0"/>
-                            </a:rPr>
-                            <m:t>,1</m:t>
-                          </m:r>
-                        </m:e>
-                      </m:d>
-                      <m:r>
-                        <a:rPr lang="en-US" i="1">
-                          <a:latin typeface="Cambria Math" panose="02040503050406030204" pitchFamily="18" charset="0"/>
-                        </a:rPr>
-                        <m:t>,</m:t>
-                      </m:r>
-                      <m:d>
-                        <m:dPr>
-                          <m:ctrlPr>
-                            <a:rPr lang="en-US" i="1">
-                              <a:latin typeface="Cambria Math" panose="02040503050406030204" pitchFamily="18" charset="0"/>
-                            </a:rPr>
-                          </m:ctrlPr>
-                        </m:dPr>
-                        <m:e>
-                          <m:sSub>
-                            <m:sSubPr>
-                              <m:ctrlPr>
-                                <a:rPr lang="en-US" i="1">
-                                  <a:latin typeface="Cambria Math" panose="02040503050406030204" pitchFamily="18" charset="0"/>
-                                </a:rPr>
-                              </m:ctrlPr>
-                            </m:sSubPr>
-                            <m:e>
-                              <m:r>
-                                <a:rPr lang="en-US" i="1">
-                                  <a:latin typeface="Cambria Math" panose="02040503050406030204" pitchFamily="18" charset="0"/>
-                                </a:rPr>
-                                <m:t>𝑎</m:t>
-                              </m:r>
-                            </m:e>
-                            <m:sub>
-                              <m:r>
-                                <a:rPr lang="en-US" i="1">
-                                  <a:latin typeface="Cambria Math" panose="02040503050406030204" pitchFamily="18" charset="0"/>
-                                </a:rPr>
-                                <m:t>2</m:t>
-                              </m:r>
-                            </m:sub>
-                          </m:sSub>
-                          <m:r>
-                            <a:rPr lang="en-US" i="1">
-                              <a:latin typeface="Cambria Math" panose="02040503050406030204" pitchFamily="18" charset="0"/>
-                            </a:rPr>
-                            <m:t>,1</m:t>
-                          </m:r>
-                        </m:e>
-                      </m:d>
-                      <m:r>
-                        <a:rPr lang="en-US" i="1">
-                          <a:latin typeface="Cambria Math" panose="02040503050406030204" pitchFamily="18" charset="0"/>
-                        </a:rPr>
-                        <m:t>}</m:t>
-                      </m:r>
-                    </m:oMath>
-                  </m:oMathPara>
-                </a14:m>
-                <a:endParaRPr lang="en-US" dirty="0"/>
-              </a:p>
-            </p:txBody>
-          </p:sp>
-        </mc:Choice>
-        <mc:Fallback xmlns="">
-          <p:sp>
-            <p:nvSpPr>
-              <p:cNvPr id="4" name="TextBox 3">
-                <a:extLst>
-                  <a:ext uri="{FF2B5EF4-FFF2-40B4-BE49-F238E27FC236}">
-                    <a16:creationId xmlns:a16="http://schemas.microsoft.com/office/drawing/2014/main" id="{A3B95A6E-980E-61CC-F335-D14441C62C7C}"/>
-                  </a:ext>
-                </a:extLst>
-              </p:cNvPr>
-              <p:cNvSpPr txBox="1">
-                <a:spLocks noRot="1" noChangeAspect="1" noMove="1" noResize="1" noEditPoints="1" noAdjustHandles="1" noChangeArrowheads="1" noChangeShapeType="1" noTextEdit="1"/>
-              </p:cNvSpPr>
-              <p:nvPr/>
-            </p:nvSpPr>
-            <p:spPr>
-              <a:xfrm>
-                <a:off x="4831281" y="1897706"/>
-                <a:ext cx="2210484" cy="369332"/>
-              </a:xfrm>
-              <a:prstGeom prst="rect">
-                <a:avLst/>
-              </a:prstGeom>
-              <a:blipFill>
-                <a:blip r:embed="rId4"/>
-                <a:stretch>
-                  <a:fillRect r="-829" b="-14754"/>
-                </a:stretch>
-              </a:blipFill>
-            </p:spPr>
-            <p:txBody>
-              <a:bodyPr/>
-              <a:lstStyle/>
-              <a:p>
-                <a:r>
-                  <a:rPr lang="en-US">
-                    <a:noFill/>
-                  </a:rPr>
-                  <a:t> </a:t>
-                </a:r>
-              </a:p>
-            </p:txBody>
-          </p:sp>
         </mc:Fallback>
       </mc:AlternateContent>
       <mc:AlternateContent xmlns:mc="http://schemas.openxmlformats.org/markup-compatibility/2006" xmlns:a14="http://schemas.microsoft.com/office/drawing/2010/main">
@@ -4253,7 +4055,7 @@
                     </m:oMathParaPr>
                     <m:oMath xmlns:m="http://schemas.openxmlformats.org/officeDocument/2006/math">
                       <m:r>
-                        <a:rPr lang="en-US" sz="1600" dirty="0">
+                        <a:rPr lang="en-US" sz="1600" dirty="0" smtClean="0">
                           <a:latin typeface="Cambria Math" panose="02040503050406030204" pitchFamily="18" charset="0"/>
                         </a:rPr>
                         <m:t>[</m:t>
@@ -4427,7 +4229,19 @@
                         <a:rPr lang="en-US" sz="1600" i="1" dirty="0">
                           <a:latin typeface="Cambria Math" panose="02040503050406030204" pitchFamily="18" charset="0"/>
                         </a:rPr>
-                        <m:t>,0,</m:t>
+                        <m:t>,</m:t>
+                      </m:r>
+                      <m:r>
+                        <a:rPr lang="en-US" sz="1600" b="0" i="1" dirty="0" smtClean="0">
+                          <a:latin typeface="Cambria Math" panose="02040503050406030204" pitchFamily="18" charset="0"/>
+                        </a:rPr>
+                        <m:t>1</m:t>
+                      </m:r>
+                      <m:r>
+                        <a:rPr lang="en-US" sz="1600" i="1" dirty="0">
+                          <a:latin typeface="Cambria Math" panose="02040503050406030204" pitchFamily="18" charset="0"/>
+                        </a:rPr>
+                        <m:t>,</m:t>
                       </m:r>
                       <m:r>
                         <a:rPr lang="en-US" sz="1600" i="1" dirty="0">
@@ -5570,14 +5384,14 @@
           </a:prstGeom>
           <a:solidFill>
             <a:schemeClr val="bg1">
-              <a:lumMod val="65000"/>
+              <a:lumMod val="50000"/>
             </a:schemeClr>
           </a:solidFill>
           <a:ln>
             <a:solidFill>
               <a:schemeClr val="tx1">
-                <a:lumMod val="50000"/>
-                <a:lumOff val="50000"/>
+                <a:lumMod val="65000"/>
+                <a:lumOff val="35000"/>
               </a:schemeClr>
             </a:solidFill>
           </a:ln>
@@ -5774,7 +5588,10 @@
             <a:avLst/>
           </a:prstGeom>
           <a:ln>
-            <a:tailEnd type="arrow"/>
+            <a:solidFill>
+              <a:schemeClr val="tx1"/>
+            </a:solidFill>
+            <a:tailEnd type="triangle"/>
           </a:ln>
         </p:spPr>
         <p:style>
@@ -5816,8 +5633,11 @@
             <a:avLst/>
           </a:prstGeom>
           <a:ln>
+            <a:solidFill>
+              <a:schemeClr val="tx1"/>
+            </a:solidFill>
             <a:prstDash val="solid"/>
-            <a:tailEnd type="arrow"/>
+            <a:tailEnd type="triangle"/>
           </a:ln>
         </p:spPr>
         <p:style>
@@ -5976,14 +5796,13 @@
           </a:prstGeom>
           <a:solidFill>
             <a:schemeClr val="bg1">
-              <a:lumMod val="65000"/>
+              <a:lumMod val="75000"/>
             </a:schemeClr>
           </a:solidFill>
           <a:ln>
             <a:solidFill>
-              <a:schemeClr val="tx1">
+              <a:schemeClr val="bg1">
                 <a:lumMod val="50000"/>
-                <a:lumOff val="50000"/>
               </a:schemeClr>
             </a:solidFill>
           </a:ln>
@@ -6027,7 +5846,7 @@
         </p:nvSpPr>
         <p:spPr>
           <a:xfrm rot="16200000">
-            <a:off x="6620081" y="1576393"/>
+            <a:off x="6564737" y="1576393"/>
             <a:ext cx="220986" cy="421640"/>
           </a:xfrm>
           <a:prstGeom prst="rightArrow">
@@ -6035,14 +5854,13 @@
           </a:prstGeom>
           <a:solidFill>
             <a:schemeClr val="bg1">
-              <a:lumMod val="65000"/>
+              <a:lumMod val="75000"/>
             </a:schemeClr>
           </a:solidFill>
           <a:ln>
             <a:solidFill>
-              <a:schemeClr val="tx1">
+              <a:schemeClr val="bg1">
                 <a:lumMod val="50000"/>
-                <a:lumOff val="50000"/>
               </a:schemeClr>
             </a:solidFill>
           </a:ln>
@@ -6088,14 +5906,17 @@
         </p:nvCxnSpPr>
         <p:spPr>
           <a:xfrm flipH="1" flipV="1">
-            <a:off x="5981382" y="824633"/>
+            <a:off x="5950103" y="824633"/>
             <a:ext cx="0" cy="182880"/>
           </a:xfrm>
           <a:prstGeom prst="straightConnector1">
             <a:avLst/>
           </a:prstGeom>
           <a:ln>
-            <a:tailEnd type="arrow"/>
+            <a:solidFill>
+              <a:schemeClr val="tx1"/>
+            </a:solidFill>
+            <a:tailEnd type="triangle"/>
           </a:ln>
         </p:spPr>
         <p:style>
@@ -6220,41 +6041,6 @@
       </p:sp>
       <p:sp>
         <p:nvSpPr>
-          <p:cNvPr id="20" name="TextBox 19">
-            <a:extLst>
-              <a:ext uri="{FF2B5EF4-FFF2-40B4-BE49-F238E27FC236}">
-                <a16:creationId xmlns:a16="http://schemas.microsoft.com/office/drawing/2014/main" id="{B9E5CEBA-760B-CE16-A896-F479B88C8343}"/>
-              </a:ext>
-            </a:extLst>
-          </p:cNvPr>
-          <p:cNvSpPr txBox="1"/>
-          <p:nvPr/>
-        </p:nvSpPr>
-        <p:spPr>
-          <a:xfrm>
-            <a:off x="4831281" y="2145876"/>
-            <a:ext cx="864125" cy="338554"/>
-          </a:xfrm>
-          <a:prstGeom prst="rect">
-            <a:avLst/>
-          </a:prstGeom>
-          <a:noFill/>
-        </p:spPr>
-        <p:txBody>
-          <a:bodyPr wrap="square" rtlCol="0">
-            <a:spAutoFit/>
-          </a:bodyPr>
-          <a:lstStyle/>
-          <a:p>
-            <a:r>
-              <a:rPr lang="en-US" sz="1600" i="1" dirty="0"/>
-              <a:t>dataset</a:t>
-            </a:r>
-          </a:p>
-        </p:txBody>
-      </p:sp>
-      <p:sp>
-        <p:nvSpPr>
           <p:cNvPr id="21" name="TextBox 20">
             <a:extLst>
               <a:ext uri="{FF2B5EF4-FFF2-40B4-BE49-F238E27FC236}">
@@ -6318,14 +6104,13 @@
           </a:prstGeom>
           <a:solidFill>
             <a:schemeClr val="bg1">
-              <a:lumMod val="65000"/>
+              <a:lumMod val="75000"/>
             </a:schemeClr>
           </a:solidFill>
           <a:ln>
             <a:solidFill>
-              <a:schemeClr val="tx1">
+              <a:schemeClr val="bg1">
                 <a:lumMod val="50000"/>
-                <a:lumOff val="50000"/>
               </a:schemeClr>
             </a:solidFill>
           </a:ln>
@@ -6355,6 +6140,563 @@
           </a:p>
         </p:txBody>
       </p:sp>
+      <mc:AlternateContent xmlns:mc="http://schemas.openxmlformats.org/markup-compatibility/2006">
+        <mc:Choice xmlns:a14="http://schemas.microsoft.com/office/drawing/2010/main" Requires="a14">
+          <p:sp>
+            <p:nvSpPr>
+              <p:cNvPr id="23" name="TextBox 22">
+                <a:extLst>
+                  <a:ext uri="{FF2B5EF4-FFF2-40B4-BE49-F238E27FC236}">
+                    <a16:creationId xmlns:a16="http://schemas.microsoft.com/office/drawing/2014/main" id="{E23D8260-FF32-A3FB-A49F-2A92A8794CC9}"/>
+                  </a:ext>
+                </a:extLst>
+              </p:cNvPr>
+              <p:cNvSpPr txBox="1"/>
+              <p:nvPr/>
+            </p:nvSpPr>
+            <p:spPr>
+              <a:xfrm>
+                <a:off x="5151871" y="1890545"/>
+                <a:ext cx="1735015" cy="338554"/>
+              </a:xfrm>
+              <a:prstGeom prst="rect">
+                <a:avLst/>
+              </a:prstGeom>
+              <a:noFill/>
+            </p:spPr>
+            <p:txBody>
+              <a:bodyPr wrap="square" rtlCol="0">
+                <a:spAutoFit/>
+              </a:bodyPr>
+              <a:lstStyle/>
+              <a:p>
+                <a:pPr/>
+                <a14:m>
+                  <m:oMathPara xmlns:m="http://schemas.openxmlformats.org/officeDocument/2006/math">
+                    <m:oMathParaPr>
+                      <m:jc m:val="centerGroup"/>
+                    </m:oMathParaPr>
+                    <m:oMath xmlns:m="http://schemas.openxmlformats.org/officeDocument/2006/math">
+                      <m:sSub>
+                        <m:sSubPr>
+                          <m:ctrlPr>
+                            <a:rPr lang="en-US" sz="1600" i="1" smtClean="0">
+                              <a:latin typeface="Cambria Math" panose="02040503050406030204" pitchFamily="18" charset="0"/>
+                            </a:rPr>
+                          </m:ctrlPr>
+                        </m:sSubPr>
+                        <m:e>
+                          <m:r>
+                            <a:rPr lang="en-US" sz="1600" b="0" i="1" smtClean="0">
+                              <a:latin typeface="Cambria Math" panose="02040503050406030204" pitchFamily="18" charset="0"/>
+                            </a:rPr>
+                            <m:t>𝑆</m:t>
+                          </m:r>
+                        </m:e>
+                        <m:sub>
+                          <m:r>
+                            <a:rPr lang="en-US" sz="1600" b="0" i="1" smtClean="0">
+                              <a:latin typeface="Cambria Math" panose="02040503050406030204" pitchFamily="18" charset="0"/>
+                            </a:rPr>
+                            <m:t>𝐾</m:t>
+                          </m:r>
+                        </m:sub>
+                      </m:sSub>
+                      <m:r>
+                        <a:rPr lang="en-US" sz="1600" i="1">
+                          <a:latin typeface="Cambria Math" panose="02040503050406030204" pitchFamily="18" charset="0"/>
+                        </a:rPr>
+                        <m:t>=</m:t>
+                      </m:r>
+                      <m:d>
+                        <m:dPr>
+                          <m:ctrlPr>
+                            <a:rPr lang="en-US" sz="1600" i="1">
+                              <a:latin typeface="Cambria Math" panose="02040503050406030204" pitchFamily="18" charset="0"/>
+                            </a:rPr>
+                          </m:ctrlPr>
+                        </m:dPr>
+                        <m:e>
+                          <m:sSub>
+                            <m:sSubPr>
+                              <m:ctrlPr>
+                                <a:rPr lang="en-US" sz="1600" i="1">
+                                  <a:latin typeface="Cambria Math" panose="02040503050406030204" pitchFamily="18" charset="0"/>
+                                </a:rPr>
+                              </m:ctrlPr>
+                            </m:sSubPr>
+                            <m:e>
+                              <m:r>
+                                <a:rPr lang="en-US" sz="1600" b="0" i="1" smtClean="0">
+                                  <a:latin typeface="Cambria Math" panose="02040503050406030204" pitchFamily="18" charset="0"/>
+                                </a:rPr>
+                                <m:t>𝑥</m:t>
+                              </m:r>
+                            </m:e>
+                            <m:sub>
+                              <m:r>
+                                <a:rPr lang="en-US" sz="1600" b="0" i="1" smtClean="0">
+                                  <a:latin typeface="Cambria Math" panose="02040503050406030204" pitchFamily="18" charset="0"/>
+                                </a:rPr>
+                                <m:t>2</m:t>
+                              </m:r>
+                            </m:sub>
+                          </m:sSub>
+                          <m:r>
+                            <a:rPr lang="en-US" sz="1600" i="1">
+                              <a:latin typeface="Cambria Math" panose="02040503050406030204" pitchFamily="18" charset="0"/>
+                            </a:rPr>
+                            <m:t>,</m:t>
+                          </m:r>
+                          <m:r>
+                            <a:rPr lang="en-US" sz="1600" b="0" i="1" smtClean="0">
+                              <a:latin typeface="Cambria Math" panose="02040503050406030204" pitchFamily="18" charset="0"/>
+                            </a:rPr>
+                            <m:t>0,</m:t>
+                          </m:r>
+                          <m:sSub>
+                            <m:sSubPr>
+                              <m:ctrlPr>
+                                <a:rPr lang="en-US" sz="1600" b="0" i="1" smtClean="0">
+                                  <a:latin typeface="Cambria Math" panose="02040503050406030204" pitchFamily="18" charset="0"/>
+                                </a:rPr>
+                              </m:ctrlPr>
+                            </m:sSubPr>
+                            <m:e>
+                              <m:r>
+                                <a:rPr lang="en-US" sz="1600" b="0" i="1" smtClean="0">
+                                  <a:latin typeface="Cambria Math" panose="02040503050406030204" pitchFamily="18" charset="0"/>
+                                </a:rPr>
+                                <m:t>𝑥</m:t>
+                              </m:r>
+                            </m:e>
+                            <m:sub>
+                              <m:r>
+                                <a:rPr lang="en-US" sz="1600" b="0" i="1" smtClean="0">
+                                  <a:latin typeface="Cambria Math" panose="02040503050406030204" pitchFamily="18" charset="0"/>
+                                </a:rPr>
+                                <m:t>1</m:t>
+                              </m:r>
+                            </m:sub>
+                          </m:sSub>
+                          <m:r>
+                            <a:rPr lang="en-US" sz="1600" b="0" i="1" smtClean="0">
+                              <a:latin typeface="Cambria Math" panose="02040503050406030204" pitchFamily="18" charset="0"/>
+                            </a:rPr>
+                            <m:t>,1</m:t>
+                          </m:r>
+                        </m:e>
+                      </m:d>
+                    </m:oMath>
+                  </m:oMathPara>
+                </a14:m>
+                <a:endParaRPr lang="en-US" sz="1600" dirty="0"/>
+              </a:p>
+            </p:txBody>
+          </p:sp>
+        </mc:Choice>
+        <mc:Fallback>
+          <p:sp>
+            <p:nvSpPr>
+              <p:cNvPr id="23" name="TextBox 22">
+                <a:extLst>
+                  <a:ext uri="{FF2B5EF4-FFF2-40B4-BE49-F238E27FC236}">
+                    <a16:creationId xmlns:a16="http://schemas.microsoft.com/office/drawing/2014/main" id="{E23D8260-FF32-A3FB-A49F-2A92A8794CC9}"/>
+                  </a:ext>
+                </a:extLst>
+              </p:cNvPr>
+              <p:cNvSpPr txBox="1">
+                <a:spLocks noRot="1" noChangeAspect="1" noMove="1" noResize="1" noEditPoints="1" noAdjustHandles="1" noChangeArrowheads="1" noChangeShapeType="1" noTextEdit="1"/>
+              </p:cNvSpPr>
+              <p:nvPr/>
+            </p:nvSpPr>
+            <p:spPr>
+              <a:xfrm>
+                <a:off x="5151871" y="1890545"/>
+                <a:ext cx="1735015" cy="338554"/>
+              </a:xfrm>
+              <a:prstGeom prst="rect">
+                <a:avLst/>
+              </a:prstGeom>
+              <a:blipFill>
+                <a:blip r:embed="rId8"/>
+                <a:stretch>
+                  <a:fillRect/>
+                </a:stretch>
+              </a:blipFill>
+            </p:spPr>
+            <p:txBody>
+              <a:bodyPr/>
+              <a:lstStyle/>
+              <a:p>
+                <a:r>
+                  <a:rPr lang="en-US">
+                    <a:noFill/>
+                  </a:rPr>
+                  <a:t> </a:t>
+                </a:r>
+              </a:p>
+            </p:txBody>
+          </p:sp>
+        </mc:Fallback>
+      </mc:AlternateContent>
+      <p:sp>
+        <p:nvSpPr>
+          <p:cNvPr id="24" name="TextBox 23">
+            <a:extLst>
+              <a:ext uri="{FF2B5EF4-FFF2-40B4-BE49-F238E27FC236}">
+                <a16:creationId xmlns:a16="http://schemas.microsoft.com/office/drawing/2014/main" id="{CC413C6E-1D17-4521-58DB-444AB93A372D}"/>
+              </a:ext>
+            </a:extLst>
+          </p:cNvPr>
+          <p:cNvSpPr txBox="1"/>
+          <p:nvPr/>
+        </p:nvSpPr>
+        <p:spPr>
+          <a:xfrm>
+            <a:off x="5345474" y="2131440"/>
+            <a:ext cx="1423511" cy="338554"/>
+          </a:xfrm>
+          <a:prstGeom prst="rect">
+            <a:avLst/>
+          </a:prstGeom>
+          <a:noFill/>
+        </p:spPr>
+        <p:txBody>
+          <a:bodyPr wrap="square" rtlCol="0">
+            <a:spAutoFit/>
+          </a:bodyPr>
+          <a:lstStyle/>
+          <a:p>
+            <a:r>
+              <a:rPr lang="en-US" sz="1600" i="1" dirty="0"/>
+              <a:t>ICL sequence</a:t>
+            </a:r>
+          </a:p>
+        </p:txBody>
+      </p:sp>
+      <mc:AlternateContent xmlns:mc="http://schemas.openxmlformats.org/markup-compatibility/2006">
+        <mc:Choice xmlns:a14="http://schemas.microsoft.com/office/drawing/2010/main" Requires="a14">
+          <p:sp>
+            <p:nvSpPr>
+              <p:cNvPr id="26" name="TextBox 25">
+                <a:extLst>
+                  <a:ext uri="{FF2B5EF4-FFF2-40B4-BE49-F238E27FC236}">
+                    <a16:creationId xmlns:a16="http://schemas.microsoft.com/office/drawing/2014/main" id="{177C2E90-47F7-F1A2-6277-C865943C7E14}"/>
+                  </a:ext>
+                </a:extLst>
+              </p:cNvPr>
+              <p:cNvSpPr txBox="1"/>
+              <p:nvPr/>
+            </p:nvSpPr>
+            <p:spPr>
+              <a:xfrm>
+                <a:off x="5905318" y="48414"/>
+                <a:ext cx="319233" cy="338554"/>
+              </a:xfrm>
+              <a:prstGeom prst="rect">
+                <a:avLst/>
+              </a:prstGeom>
+              <a:noFill/>
+              <a:ln>
+                <a:solidFill>
+                  <a:schemeClr val="tx1"/>
+                </a:solidFill>
+                <a:prstDash val="dashDot"/>
+              </a:ln>
+            </p:spPr>
+            <p:txBody>
+              <a:bodyPr wrap="square">
+                <a:spAutoFit/>
+              </a:bodyPr>
+              <a:lstStyle/>
+              <a:p>
+                <a:pPr/>
+                <a14:m>
+                  <m:oMathPara xmlns:m="http://schemas.openxmlformats.org/officeDocument/2006/math">
+                    <m:oMathParaPr>
+                      <m:jc m:val="center"/>
+                    </m:oMathParaPr>
+                    <m:oMath xmlns:m="http://schemas.openxmlformats.org/officeDocument/2006/math">
+                      <m:r>
+                        <a:rPr lang="en-US" sz="1600" b="0" i="0" dirty="0" smtClean="0">
+                          <a:solidFill>
+                            <a:schemeClr val="tx1"/>
+                          </a:solidFill>
+                          <a:latin typeface="Cambria Math" panose="02040503050406030204" pitchFamily="18" charset="0"/>
+                        </a:rPr>
+                        <m:t>1</m:t>
+                      </m:r>
+                    </m:oMath>
+                  </m:oMathPara>
+                </a14:m>
+                <a:endParaRPr lang="en-US" sz="1600" dirty="0">
+                  <a:solidFill>
+                    <a:schemeClr val="tx1"/>
+                  </a:solidFill>
+                  <a:latin typeface="Cambria Math" panose="02040503050406030204" pitchFamily="18" charset="0"/>
+                </a:endParaRPr>
+              </a:p>
+            </p:txBody>
+          </p:sp>
+        </mc:Choice>
+        <mc:Fallback>
+          <p:sp>
+            <p:nvSpPr>
+              <p:cNvPr id="26" name="TextBox 25">
+                <a:extLst>
+                  <a:ext uri="{FF2B5EF4-FFF2-40B4-BE49-F238E27FC236}">
+                    <a16:creationId xmlns:a16="http://schemas.microsoft.com/office/drawing/2014/main" id="{177C2E90-47F7-F1A2-6277-C865943C7E14}"/>
+                  </a:ext>
+                </a:extLst>
+              </p:cNvPr>
+              <p:cNvSpPr txBox="1">
+                <a:spLocks noRot="1" noChangeAspect="1" noMove="1" noResize="1" noEditPoints="1" noAdjustHandles="1" noChangeArrowheads="1" noChangeShapeType="1" noTextEdit="1"/>
+              </p:cNvSpPr>
+              <p:nvPr/>
+            </p:nvSpPr>
+            <p:spPr>
+              <a:xfrm>
+                <a:off x="5905318" y="48414"/>
+                <a:ext cx="319233" cy="338554"/>
+              </a:xfrm>
+              <a:prstGeom prst="rect">
+                <a:avLst/>
+              </a:prstGeom>
+              <a:blipFill>
+                <a:blip r:embed="rId9"/>
+                <a:stretch>
+                  <a:fillRect/>
+                </a:stretch>
+              </a:blipFill>
+              <a:ln>
+                <a:solidFill>
+                  <a:schemeClr val="tx1"/>
+                </a:solidFill>
+                <a:prstDash val="dashDot"/>
+              </a:ln>
+            </p:spPr>
+            <p:txBody>
+              <a:bodyPr/>
+              <a:lstStyle/>
+              <a:p>
+                <a:r>
+                  <a:rPr lang="en-US">
+                    <a:noFill/>
+                  </a:rPr>
+                  <a:t> </a:t>
+                </a:r>
+              </a:p>
+            </p:txBody>
+          </p:sp>
+        </mc:Fallback>
+      </mc:AlternateContent>
+      <mc:AlternateContent xmlns:mc="http://schemas.openxmlformats.org/markup-compatibility/2006">
+        <mc:Choice xmlns:a14="http://schemas.microsoft.com/office/drawing/2010/main" Requires="a14">
+          <p:sp>
+            <p:nvSpPr>
+              <p:cNvPr id="28" name="TextBox 27">
+                <a:extLst>
+                  <a:ext uri="{FF2B5EF4-FFF2-40B4-BE49-F238E27FC236}">
+                    <a16:creationId xmlns:a16="http://schemas.microsoft.com/office/drawing/2014/main" id="{29FF1635-033A-439E-3FF0-CB72C972E039}"/>
+                  </a:ext>
+                </a:extLst>
+              </p:cNvPr>
+              <p:cNvSpPr txBox="1"/>
+              <p:nvPr/>
+            </p:nvSpPr>
+            <p:spPr>
+              <a:xfrm>
+                <a:off x="5280484" y="48414"/>
+                <a:ext cx="319233" cy="338554"/>
+              </a:xfrm>
+              <a:prstGeom prst="rect">
+                <a:avLst/>
+              </a:prstGeom>
+              <a:noFill/>
+              <a:ln>
+                <a:solidFill>
+                  <a:schemeClr val="tx1"/>
+                </a:solidFill>
+                <a:prstDash val="dashDot"/>
+              </a:ln>
+            </p:spPr>
+            <p:txBody>
+              <a:bodyPr wrap="square">
+                <a:spAutoFit/>
+              </a:bodyPr>
+              <a:lstStyle/>
+              <a:p>
+                <a:pPr/>
+                <a14:m>
+                  <m:oMathPara xmlns:m="http://schemas.openxmlformats.org/officeDocument/2006/math">
+                    <m:oMathParaPr>
+                      <m:jc m:val="center"/>
+                    </m:oMathParaPr>
+                    <m:oMath xmlns:m="http://schemas.openxmlformats.org/officeDocument/2006/math">
+                      <m:r>
+                        <a:rPr lang="en-US" sz="1600" b="0" i="1" smtClean="0">
+                          <a:solidFill>
+                            <a:schemeClr val="tx1"/>
+                          </a:solidFill>
+                          <a:latin typeface="Cambria Math" panose="02040503050406030204" pitchFamily="18" charset="0"/>
+                        </a:rPr>
+                        <m:t>0</m:t>
+                      </m:r>
+                    </m:oMath>
+                  </m:oMathPara>
+                </a14:m>
+                <a:endParaRPr lang="en-US" sz="1600" dirty="0">
+                  <a:solidFill>
+                    <a:schemeClr val="tx1"/>
+                  </a:solidFill>
+                  <a:latin typeface="Cambria Math" panose="02040503050406030204" pitchFamily="18" charset="0"/>
+                </a:endParaRPr>
+              </a:p>
+            </p:txBody>
+          </p:sp>
+        </mc:Choice>
+        <mc:Fallback>
+          <p:sp>
+            <p:nvSpPr>
+              <p:cNvPr id="28" name="TextBox 27">
+                <a:extLst>
+                  <a:ext uri="{FF2B5EF4-FFF2-40B4-BE49-F238E27FC236}">
+                    <a16:creationId xmlns:a16="http://schemas.microsoft.com/office/drawing/2014/main" id="{29FF1635-033A-439E-3FF0-CB72C972E039}"/>
+                  </a:ext>
+                </a:extLst>
+              </p:cNvPr>
+              <p:cNvSpPr txBox="1">
+                <a:spLocks noRot="1" noChangeAspect="1" noMove="1" noResize="1" noEditPoints="1" noAdjustHandles="1" noChangeArrowheads="1" noChangeShapeType="1" noTextEdit="1"/>
+              </p:cNvSpPr>
+              <p:nvPr/>
+            </p:nvSpPr>
+            <p:spPr>
+              <a:xfrm>
+                <a:off x="5280484" y="48414"/>
+                <a:ext cx="319233" cy="338554"/>
+              </a:xfrm>
+              <a:prstGeom prst="rect">
+                <a:avLst/>
+              </a:prstGeom>
+              <a:blipFill>
+                <a:blip r:embed="rId10"/>
+                <a:stretch>
+                  <a:fillRect/>
+                </a:stretch>
+              </a:blipFill>
+              <a:ln>
+                <a:solidFill>
+                  <a:schemeClr val="tx1"/>
+                </a:solidFill>
+                <a:prstDash val="dashDot"/>
+              </a:ln>
+            </p:spPr>
+            <p:txBody>
+              <a:bodyPr/>
+              <a:lstStyle/>
+              <a:p>
+                <a:r>
+                  <a:rPr lang="en-US">
+                    <a:noFill/>
+                  </a:rPr>
+                  <a:t> </a:t>
+                </a:r>
+              </a:p>
+            </p:txBody>
+          </p:sp>
+        </mc:Fallback>
+      </mc:AlternateContent>
+      <p:cxnSp>
+        <p:nvCxnSpPr>
+          <p:cNvPr id="30" name="Straight Arrow Connector 29">
+            <a:extLst>
+              <a:ext uri="{FF2B5EF4-FFF2-40B4-BE49-F238E27FC236}">
+                <a16:creationId xmlns:a16="http://schemas.microsoft.com/office/drawing/2014/main" id="{9C1D3316-B356-D0D2-422B-2486A1F4FC10}"/>
+              </a:ext>
+            </a:extLst>
+          </p:cNvPr>
+          <p:cNvCxnSpPr>
+            <a:cxnSpLocks/>
+          </p:cNvCxnSpPr>
+          <p:nvPr/>
+        </p:nvCxnSpPr>
+        <p:spPr>
+          <a:xfrm flipV="1">
+            <a:off x="6069548" y="383114"/>
+            <a:ext cx="0" cy="916254"/>
+          </a:xfrm>
+          <a:prstGeom prst="straightConnector1">
+            <a:avLst/>
+          </a:prstGeom>
+          <a:ln>
+            <a:solidFill>
+              <a:schemeClr val="tx1"/>
+            </a:solidFill>
+            <a:prstDash val="solid"/>
+            <a:tailEnd type="triangle"/>
+          </a:ln>
+        </p:spPr>
+        <p:style>
+          <a:lnRef idx="2">
+            <a:schemeClr val="accent1"/>
+          </a:lnRef>
+          <a:fillRef idx="0">
+            <a:schemeClr val="accent1"/>
+          </a:fillRef>
+          <a:effectRef idx="1">
+            <a:schemeClr val="accent1"/>
+          </a:effectRef>
+          <a:fontRef idx="minor">
+            <a:schemeClr val="tx1"/>
+          </a:fontRef>
+        </p:style>
+      </p:cxnSp>
+      <p:cxnSp>
+        <p:nvCxnSpPr>
+          <p:cNvPr id="31" name="Straight Arrow Connector 30">
+            <a:extLst>
+              <a:ext uri="{FF2B5EF4-FFF2-40B4-BE49-F238E27FC236}">
+                <a16:creationId xmlns:a16="http://schemas.microsoft.com/office/drawing/2014/main" id="{A8A70227-A2B8-65A3-FBCC-B96F1DF988A9}"/>
+              </a:ext>
+            </a:extLst>
+          </p:cNvPr>
+          <p:cNvCxnSpPr>
+            <a:cxnSpLocks/>
+          </p:cNvCxnSpPr>
+          <p:nvPr/>
+        </p:nvCxnSpPr>
+        <p:spPr>
+          <a:xfrm flipV="1">
+            <a:off x="5438501" y="385328"/>
+            <a:ext cx="0" cy="916254"/>
+          </a:xfrm>
+          <a:prstGeom prst="straightConnector1">
+            <a:avLst/>
+          </a:prstGeom>
+          <a:ln>
+            <a:solidFill>
+              <a:schemeClr val="tx1"/>
+            </a:solidFill>
+            <a:prstDash val="solid"/>
+            <a:tailEnd type="triangle"/>
+          </a:ln>
+        </p:spPr>
+        <p:style>
+          <a:lnRef idx="2">
+            <a:schemeClr val="accent1"/>
+          </a:lnRef>
+          <a:fillRef idx="0">
+            <a:schemeClr val="accent1"/>
+          </a:fillRef>
+          <a:effectRef idx="1">
+            <a:schemeClr val="accent1"/>
+          </a:effectRef>
+          <a:fontRef idx="minor">
+            <a:schemeClr val="tx1"/>
+          </a:fontRef>
+        </p:style>
+      </p:cxnSp>
     </p:spTree>
     <p:extLst>
       <p:ext uri="{BB962C8B-B14F-4D97-AF65-F5344CB8AC3E}">

--- a/Paper/framework - Copy.pptx
+++ b/Paper/framework - Copy.pptx
@@ -243,7 +243,7 @@
           <a:p>
             <a:fld id="{A9DBF5DD-7AB2-40FA-A266-E4FBC7EAC0C5}" type="datetimeFigureOut">
               <a:rPr lang="en-US" smtClean="0"/>
-              <a:t>1/29/2025</a:t>
+              <a:t>2/20/25</a:t>
             </a:fld>
             <a:endParaRPr lang="en-US"/>
           </a:p>
@@ -413,7 +413,7 @@
           <a:p>
             <a:fld id="{A9DBF5DD-7AB2-40FA-A266-E4FBC7EAC0C5}" type="datetimeFigureOut">
               <a:rPr lang="en-US" smtClean="0"/>
-              <a:t>1/29/2025</a:t>
+              <a:t>2/20/25</a:t>
             </a:fld>
             <a:endParaRPr lang="en-US"/>
           </a:p>
@@ -593,7 +593,7 @@
           <a:p>
             <a:fld id="{A9DBF5DD-7AB2-40FA-A266-E4FBC7EAC0C5}" type="datetimeFigureOut">
               <a:rPr lang="en-US" smtClean="0"/>
-              <a:t>1/29/2025</a:t>
+              <a:t>2/20/25</a:t>
             </a:fld>
             <a:endParaRPr lang="en-US"/>
           </a:p>
@@ -763,7 +763,7 @@
           <a:p>
             <a:fld id="{A9DBF5DD-7AB2-40FA-A266-E4FBC7EAC0C5}" type="datetimeFigureOut">
               <a:rPr lang="en-US" smtClean="0"/>
-              <a:t>1/29/2025</a:t>
+              <a:t>2/20/25</a:t>
             </a:fld>
             <a:endParaRPr lang="en-US"/>
           </a:p>
@@ -1009,7 +1009,7 @@
           <a:p>
             <a:fld id="{A9DBF5DD-7AB2-40FA-A266-E4FBC7EAC0C5}" type="datetimeFigureOut">
               <a:rPr lang="en-US" smtClean="0"/>
-              <a:t>1/29/2025</a:t>
+              <a:t>2/20/25</a:t>
             </a:fld>
             <a:endParaRPr lang="en-US"/>
           </a:p>
@@ -1241,7 +1241,7 @@
           <a:p>
             <a:fld id="{A9DBF5DD-7AB2-40FA-A266-E4FBC7EAC0C5}" type="datetimeFigureOut">
               <a:rPr lang="en-US" smtClean="0"/>
-              <a:t>1/29/2025</a:t>
+              <a:t>2/20/25</a:t>
             </a:fld>
             <a:endParaRPr lang="en-US"/>
           </a:p>
@@ -1608,7 +1608,7 @@
           <a:p>
             <a:fld id="{A9DBF5DD-7AB2-40FA-A266-E4FBC7EAC0C5}" type="datetimeFigureOut">
               <a:rPr lang="en-US" smtClean="0"/>
-              <a:t>1/29/2025</a:t>
+              <a:t>2/20/25</a:t>
             </a:fld>
             <a:endParaRPr lang="en-US"/>
           </a:p>
@@ -1726,7 +1726,7 @@
           <a:p>
             <a:fld id="{A9DBF5DD-7AB2-40FA-A266-E4FBC7EAC0C5}" type="datetimeFigureOut">
               <a:rPr lang="en-US" smtClean="0"/>
-              <a:t>1/29/2025</a:t>
+              <a:t>2/20/25</a:t>
             </a:fld>
             <a:endParaRPr lang="en-US"/>
           </a:p>
@@ -1821,7 +1821,7 @@
           <a:p>
             <a:fld id="{A9DBF5DD-7AB2-40FA-A266-E4FBC7EAC0C5}" type="datetimeFigureOut">
               <a:rPr lang="en-US" smtClean="0"/>
-              <a:t>1/29/2025</a:t>
+              <a:t>2/20/25</a:t>
             </a:fld>
             <a:endParaRPr lang="en-US"/>
           </a:p>
@@ -2098,7 +2098,7 @@
           <a:p>
             <a:fld id="{A9DBF5DD-7AB2-40FA-A266-E4FBC7EAC0C5}" type="datetimeFigureOut">
               <a:rPr lang="en-US" smtClean="0"/>
-              <a:t>1/29/2025</a:t>
+              <a:t>2/20/25</a:t>
             </a:fld>
             <a:endParaRPr lang="en-US"/>
           </a:p>
@@ -2355,7 +2355,7 @@
           <a:p>
             <a:fld id="{A9DBF5DD-7AB2-40FA-A266-E4FBC7EAC0C5}" type="datetimeFigureOut">
               <a:rPr lang="en-US" smtClean="0"/>
-              <a:t>1/29/2025</a:t>
+              <a:t>2/20/25</a:t>
             </a:fld>
             <a:endParaRPr lang="en-US"/>
           </a:p>
@@ -2568,7 +2568,7 @@
           <a:p>
             <a:fld id="{A9DBF5DD-7AB2-40FA-A266-E4FBC7EAC0C5}" type="datetimeFigureOut">
               <a:rPr lang="en-US" smtClean="0"/>
-              <a:t>1/29/2025</a:t>
+              <a:t>2/20/25</a:t>
             </a:fld>
             <a:endParaRPr lang="en-US"/>
           </a:p>
@@ -6034,8 +6034,13 @@
           <a:p>
             <a:r>
               <a:rPr lang="en-US" sz="1600" i="1" dirty="0"/>
-              <a:t>hypothesis space</a:t>
-            </a:r>
+              <a:t>hypothesis </a:t>
+            </a:r>
+            <a:r>
+              <a:rPr lang="en-US" altLang="zh-CN" sz="1600" i="1" dirty="0"/>
+              <a:t>class</a:t>
+            </a:r>
+            <a:endParaRPr lang="en-US" sz="1600" i="1" dirty="0"/>
           </a:p>
         </p:txBody>
       </p:sp>
@@ -6140,8 +6145,8 @@
           </a:p>
         </p:txBody>
       </p:sp>
-      <mc:AlternateContent xmlns:mc="http://schemas.openxmlformats.org/markup-compatibility/2006">
-        <mc:Choice xmlns:a14="http://schemas.microsoft.com/office/drawing/2010/main" Requires="a14">
+      <mc:AlternateContent xmlns:mc="http://schemas.openxmlformats.org/markup-compatibility/2006" xmlns:a14="http://schemas.microsoft.com/office/drawing/2010/main">
+        <mc:Choice Requires="a14">
           <p:sp>
             <p:nvSpPr>
               <p:cNvPr id="23" name="TextBox 22">
@@ -6295,7 +6300,7 @@
             </p:txBody>
           </p:sp>
         </mc:Choice>
-        <mc:Fallback>
+        <mc:Fallback xmlns="">
           <p:sp>
             <p:nvSpPr>
               <p:cNvPr id="23" name="TextBox 22">
@@ -6375,8 +6380,8 @@
           </a:p>
         </p:txBody>
       </p:sp>
-      <mc:AlternateContent xmlns:mc="http://schemas.openxmlformats.org/markup-compatibility/2006">
-        <mc:Choice xmlns:a14="http://schemas.microsoft.com/office/drawing/2010/main" Requires="a14">
+      <mc:AlternateContent xmlns:mc="http://schemas.openxmlformats.org/markup-compatibility/2006" xmlns:a14="http://schemas.microsoft.com/office/drawing/2010/main">
+        <mc:Choice Requires="a14">
           <p:sp>
             <p:nvSpPr>
               <p:cNvPr id="26" name="TextBox 25">
@@ -6440,7 +6445,7 @@
             </p:txBody>
           </p:sp>
         </mc:Choice>
-        <mc:Fallback>
+        <mc:Fallback xmlns="">
           <p:sp>
             <p:nvSpPr>
               <p:cNvPr id="26" name="TextBox 25">
@@ -6491,8 +6496,8 @@
           </p:sp>
         </mc:Fallback>
       </mc:AlternateContent>
-      <mc:AlternateContent xmlns:mc="http://schemas.openxmlformats.org/markup-compatibility/2006">
-        <mc:Choice xmlns:a14="http://schemas.microsoft.com/office/drawing/2010/main" Requires="a14">
+      <mc:AlternateContent xmlns:mc="http://schemas.openxmlformats.org/markup-compatibility/2006" xmlns:a14="http://schemas.microsoft.com/office/drawing/2010/main">
+        <mc:Choice Requires="a14">
           <p:sp>
             <p:nvSpPr>
               <p:cNvPr id="28" name="TextBox 27">
@@ -6556,7 +6561,7 @@
             </p:txBody>
           </p:sp>
         </mc:Choice>
-        <mc:Fallback>
+        <mc:Fallback xmlns="">
           <p:sp>
             <p:nvSpPr>
               <p:cNvPr id="28" name="TextBox 27">
